--- a/G080A008_劉翰穎_網路爬蟲20200507.pptx
+++ b/G080A008_劉翰穎_網路爬蟲20200507.pptx
@@ -5720,8 +5720,8 @@
               <a:t>:</a:t>
             </a:r>
             <a:r>
-              <a:rPr lang="zh-TW" altLang="en-US" sz="2400" dirty="0"/>
-              <a:t>曾龍</a:t>
+              <a:rPr lang="zh-TW" altLang="en-US" sz="2400"/>
+              <a:t>曾龍老師</a:t>
             </a:r>
             <a:endParaRPr lang="en-US" altLang="zh-TW" sz="2400" dirty="0"/>
           </a:p>
@@ -12876,7 +12876,7 @@
         </p:nvSpPr>
         <p:spPr>
           <a:xfrm>
-            <a:off x="10635449" y="1420428"/>
+            <a:off x="10463420" y="2456259"/>
             <a:ext cx="1384916" cy="239697"/>
           </a:xfrm>
           <a:prstGeom prst="rect">
